--- a/HomeAutomation.pptx
+++ b/HomeAutomation.pptx
@@ -111,6 +111,11 @@
       </a:defRPr>
     </a:lvl9pPr>
   </p:defaultTextStyle>
+  <p:extLst>
+    <p:ext uri="{EFAFB233-063F-42B5-8137-9DF3F51BA10A}">
+      <p15:sldGuideLst xmlns:p15="http://schemas.microsoft.com/office/powerpoint/2012/main"/>
+    </p:ext>
+  </p:extLst>
 </p:presentation>
 </file>
 
@@ -300,7 +305,7 @@
           <a:p>
             <a:fld id="{4AAD347D-5ACD-4C99-B74B-A9C85AD731AF}" type="datetimeFigureOut">
               <a:rPr lang="en-US" dirty="0"/>
-              <a:t>4/22/2019</a:t>
+              <a:t>4/26/2019</a:t>
             </a:fld>
             <a:endParaRPr lang="en-US" dirty="0"/>
           </a:p>
@@ -570,7 +575,7 @@
           <a:p>
             <a:fld id="{4509A250-FF31-4206-8172-F9D3106AACB1}" type="datetimeFigureOut">
               <a:rPr lang="en-US" dirty="0"/>
-              <a:t>4/22/2019</a:t>
+              <a:t>4/26/2019</a:t>
             </a:fld>
             <a:endParaRPr lang="en-US" dirty="0"/>
           </a:p>
@@ -759,7 +764,7 @@
           <a:p>
             <a:fld id="{4509A250-FF31-4206-8172-F9D3106AACB1}" type="datetimeFigureOut">
               <a:rPr lang="en-US" dirty="0"/>
-              <a:t>4/22/2019</a:t>
+              <a:t>4/26/2019</a:t>
             </a:fld>
             <a:endParaRPr lang="en-US" dirty="0"/>
           </a:p>
@@ -1027,7 +1032,7 @@
           <a:p>
             <a:fld id="{4509A250-FF31-4206-8172-F9D3106AACB1}" type="datetimeFigureOut">
               <a:rPr lang="en-US" dirty="0"/>
-              <a:t>4/22/2019</a:t>
+              <a:t>4/26/2019</a:t>
             </a:fld>
             <a:endParaRPr lang="en-US" dirty="0"/>
           </a:p>
@@ -1363,7 +1368,7 @@
           <a:p>
             <a:fld id="{4509A250-FF31-4206-8172-F9D3106AACB1}" type="datetimeFigureOut">
               <a:rPr lang="en-US" dirty="0"/>
-              <a:t>4/22/2019</a:t>
+              <a:t>4/26/2019</a:t>
             </a:fld>
             <a:endParaRPr lang="en-US" dirty="0"/>
           </a:p>
@@ -1981,7 +1986,7 @@
           <a:p>
             <a:fld id="{4509A250-FF31-4206-8172-F9D3106AACB1}" type="datetimeFigureOut">
               <a:rPr lang="en-US" dirty="0"/>
-              <a:t>4/22/2019</a:t>
+              <a:t>4/26/2019</a:t>
             </a:fld>
             <a:endParaRPr lang="en-US" dirty="0"/>
           </a:p>
@@ -2836,7 +2841,7 @@
           <a:p>
             <a:fld id="{4509A250-FF31-4206-8172-F9D3106AACB1}" type="datetimeFigureOut">
               <a:rPr lang="en-US" dirty="0"/>
-              <a:t>4/22/2019</a:t>
+              <a:t>4/26/2019</a:t>
             </a:fld>
             <a:endParaRPr lang="en-US" dirty="0"/>
           </a:p>
@@ -3001,7 +3006,7 @@
           <a:p>
             <a:fld id="{4509A250-FF31-4206-8172-F9D3106AACB1}" type="datetimeFigureOut">
               <a:rPr lang="en-US" dirty="0"/>
-              <a:t>4/22/2019</a:t>
+              <a:t>4/26/2019</a:t>
             </a:fld>
             <a:endParaRPr lang="en-US" dirty="0"/>
           </a:p>
@@ -3176,7 +3181,7 @@
           <a:p>
             <a:fld id="{4509A250-FF31-4206-8172-F9D3106AACB1}" type="datetimeFigureOut">
               <a:rPr lang="en-US" dirty="0"/>
-              <a:t>4/22/2019</a:t>
+              <a:t>4/26/2019</a:t>
             </a:fld>
             <a:endParaRPr lang="en-US" dirty="0"/>
           </a:p>
@@ -3341,7 +3346,7 @@
           <a:p>
             <a:fld id="{4509A250-FF31-4206-8172-F9D3106AACB1}" type="datetimeFigureOut">
               <a:rPr lang="en-US" dirty="0"/>
-              <a:t>4/22/2019</a:t>
+              <a:t>4/26/2019</a:t>
             </a:fld>
             <a:endParaRPr lang="en-US" dirty="0"/>
           </a:p>
@@ -3583,7 +3588,7 @@
           <a:p>
             <a:fld id="{9796027F-7875-4030-9381-8BD8C4F21935}" type="datetimeFigureOut">
               <a:rPr lang="en-US" dirty="0"/>
-              <a:t>4/22/2019</a:t>
+              <a:t>4/26/2019</a:t>
             </a:fld>
             <a:endParaRPr lang="en-US" dirty="0"/>
           </a:p>
@@ -3870,7 +3875,7 @@
           <a:p>
             <a:fld id="{9796027F-7875-4030-9381-8BD8C4F21935}" type="datetimeFigureOut">
               <a:rPr lang="en-US" dirty="0"/>
-              <a:t>4/22/2019</a:t>
+              <a:t>4/26/2019</a:t>
             </a:fld>
             <a:endParaRPr lang="en-US" dirty="0"/>
           </a:p>
@@ -4309,7 +4314,7 @@
           <a:p>
             <a:fld id="{9796027F-7875-4030-9381-8BD8C4F21935}" type="datetimeFigureOut">
               <a:rPr lang="en-US" dirty="0"/>
-              <a:t>4/22/2019</a:t>
+              <a:t>4/26/2019</a:t>
             </a:fld>
             <a:endParaRPr lang="en-US" dirty="0"/>
           </a:p>
@@ -4422,7 +4427,7 @@
           <a:p>
             <a:fld id="{4509A250-FF31-4206-8172-F9D3106AACB1}" type="datetimeFigureOut">
               <a:rPr lang="en-US" dirty="0"/>
-              <a:t>4/22/2019</a:t>
+              <a:t>4/26/2019</a:t>
             </a:fld>
             <a:endParaRPr lang="en-US" dirty="0"/>
           </a:p>
@@ -4512,7 +4517,7 @@
           <a:p>
             <a:fld id="{4509A250-FF31-4206-8172-F9D3106AACB1}" type="datetimeFigureOut">
               <a:rPr lang="en-US" dirty="0"/>
-              <a:t>4/22/2019</a:t>
+              <a:t>4/26/2019</a:t>
             </a:fld>
             <a:endParaRPr lang="en-US" dirty="0"/>
           </a:p>
@@ -4786,7 +4791,7 @@
           <a:p>
             <a:fld id="{4509A250-FF31-4206-8172-F9D3106AACB1}" type="datetimeFigureOut">
               <a:rPr lang="en-US" dirty="0"/>
-              <a:t>4/22/2019</a:t>
+              <a:t>4/26/2019</a:t>
             </a:fld>
             <a:endParaRPr lang="en-US" dirty="0"/>
           </a:p>
@@ -5056,7 +5061,7 @@
           <a:p>
             <a:fld id="{4509A250-FF31-4206-8172-F9D3106AACB1}" type="datetimeFigureOut">
               <a:rPr lang="en-US" dirty="0"/>
-              <a:t>4/22/2019</a:t>
+              <a:t>4/26/2019</a:t>
             </a:fld>
             <a:endParaRPr lang="en-US" dirty="0"/>
           </a:p>
@@ -5480,7 +5485,7 @@
           <a:p>
             <a:fld id="{4AAD347D-5ACD-4C99-B74B-A9C85AD731AF}" type="datetimeFigureOut">
               <a:rPr lang="en-US" dirty="0"/>
-              <a:t>4/22/2019</a:t>
+              <a:t>4/26/2019</a:t>
             </a:fld>
             <a:endParaRPr lang="en-US" dirty="0"/>
           </a:p>
@@ -6055,12 +6060,8 @@
           <a:lstStyle/>
           <a:p>
             <a:r>
-              <a:rPr lang="en-US" dirty="0" err="1"/>
-              <a:t>By:Christopher</a:t>
-            </a:r>
-            <a:r>
-              <a:rPr lang="en-US" dirty="0"/>
-              <a:t> Matthews</a:t>
+              <a:rPr lang="en-US" dirty="0"/>
+              <a:t>By: Christopher Matthews</a:t>
             </a:r>
           </a:p>
         </p:txBody>
@@ -6151,13 +6152,17 @@
             </a:r>
           </a:p>
           <a:p>
+            <a:pPr lvl="1"/>
+            <a:r>
+              <a:rPr lang="en-US" dirty="0"/>
+              <a:t>Setup Home Automation using Alexa Device or Web Interface</a:t>
+            </a:r>
+          </a:p>
+          <a:p>
             <a:r>
               <a:rPr lang="en-US" dirty="0"/>
               <a:t>Purpose</a:t>
             </a:r>
-          </a:p>
-          <a:p>
-            <a:endParaRPr lang="en-US" dirty="0"/>
           </a:p>
           <a:p>
             <a:pPr lvl="1"/>
@@ -6241,20 +6246,20 @@
           <p:nvPr>
             <p:extLst>
               <p:ext uri="{D42A27DB-BD31-4B8C-83A1-F6EECF244321}">
-                <p14:modId xmlns:p14="http://schemas.microsoft.com/office/powerpoint/2010/main" val="1558494110"/>
+                <p14:modId xmlns:p14="http://schemas.microsoft.com/office/powerpoint/2010/main" val="2498807216"/>
               </p:ext>
             </p:extLst>
           </p:nvPr>
         </p:nvGraphicFramePr>
         <p:xfrm>
-          <a:off x="6773594" y="138050"/>
+          <a:off x="5348472" y="314696"/>
           <a:ext cx="4875237" cy="6384951"/>
         </p:xfrm>
         <a:graphic>
           <a:graphicData uri="http://schemas.openxmlformats.org/presentationml/2006/ole">
             <mc:AlternateContent xmlns:mc="http://schemas.openxmlformats.org/markup-compatibility/2006">
               <mc:Choice xmlns:v="urn:schemas-microsoft-com:vml" Requires="v">
-                <p:oleObj spid="_x0000_s1029" name="Visio" r:id="rId3" imgW="7086600" imgH="9282363" progId="Visio.Drawing.15">
+                <p:oleObj spid="_x0000_s1031" name="Visio" r:id="rId3" imgW="7086600" imgH="9282363" progId="Visio.Drawing.15">
                   <p:embed/>
                 </p:oleObj>
               </mc:Choice>
@@ -6275,7 +6280,7 @@
                     </p:blipFill>
                     <p:spPr>
                       <a:xfrm>
-                        <a:off x="6773594" y="138050"/>
+                        <a:off x="5348472" y="314696"/>
                         <a:ext cx="4875237" cy="6384951"/>
                       </a:xfrm>
                       <a:prstGeom prst="rect">
@@ -6751,7 +6756,11 @@
           <a:bodyPr/>
           <a:lstStyle/>
           <a:p>
-            <a:endParaRPr lang="en-US"/>
+            <a:r>
+              <a:rPr lang="en-US" dirty="0" err="1"/>
+              <a:t>HomeAutomation</a:t>
+            </a:r>
+            <a:endParaRPr lang="en-US" dirty="0"/>
           </a:p>
         </p:txBody>
       </p:sp>

--- a/HomeAutomation.pptx
+++ b/HomeAutomation.pptx
@@ -13,6 +13,8 @@
     <p:sldId id="263" r:id="rId7"/>
     <p:sldId id="260" r:id="rId8"/>
     <p:sldId id="262" r:id="rId9"/>
+    <p:sldId id="264" r:id="rId10"/>
+    <p:sldId id="265" r:id="rId11"/>
   </p:sldIdLst>
   <p:sldSz cx="12192000" cy="6858000"/>
   <p:notesSz cx="6858000" cy="9144000"/>
@@ -305,7 +307,7 @@
           <a:p>
             <a:fld id="{4AAD347D-5ACD-4C99-B74B-A9C85AD731AF}" type="datetimeFigureOut">
               <a:rPr lang="en-US" dirty="0"/>
-              <a:t>4/26/2019</a:t>
+              <a:t>4/28/2019</a:t>
             </a:fld>
             <a:endParaRPr lang="en-US" dirty="0"/>
           </a:p>
@@ -575,7 +577,7 @@
           <a:p>
             <a:fld id="{4509A250-FF31-4206-8172-F9D3106AACB1}" type="datetimeFigureOut">
               <a:rPr lang="en-US" dirty="0"/>
-              <a:t>4/26/2019</a:t>
+              <a:t>4/28/2019</a:t>
             </a:fld>
             <a:endParaRPr lang="en-US" dirty="0"/>
           </a:p>
@@ -764,7 +766,7 @@
           <a:p>
             <a:fld id="{4509A250-FF31-4206-8172-F9D3106AACB1}" type="datetimeFigureOut">
               <a:rPr lang="en-US" dirty="0"/>
-              <a:t>4/26/2019</a:t>
+              <a:t>4/28/2019</a:t>
             </a:fld>
             <a:endParaRPr lang="en-US" dirty="0"/>
           </a:p>
@@ -1032,7 +1034,7 @@
           <a:p>
             <a:fld id="{4509A250-FF31-4206-8172-F9D3106AACB1}" type="datetimeFigureOut">
               <a:rPr lang="en-US" dirty="0"/>
-              <a:t>4/26/2019</a:t>
+              <a:t>4/28/2019</a:t>
             </a:fld>
             <a:endParaRPr lang="en-US" dirty="0"/>
           </a:p>
@@ -1368,7 +1370,7 @@
           <a:p>
             <a:fld id="{4509A250-FF31-4206-8172-F9D3106AACB1}" type="datetimeFigureOut">
               <a:rPr lang="en-US" dirty="0"/>
-              <a:t>4/26/2019</a:t>
+              <a:t>4/28/2019</a:t>
             </a:fld>
             <a:endParaRPr lang="en-US" dirty="0"/>
           </a:p>
@@ -1986,7 +1988,7 @@
           <a:p>
             <a:fld id="{4509A250-FF31-4206-8172-F9D3106AACB1}" type="datetimeFigureOut">
               <a:rPr lang="en-US" dirty="0"/>
-              <a:t>4/26/2019</a:t>
+              <a:t>4/28/2019</a:t>
             </a:fld>
             <a:endParaRPr lang="en-US" dirty="0"/>
           </a:p>
@@ -2841,7 +2843,7 @@
           <a:p>
             <a:fld id="{4509A250-FF31-4206-8172-F9D3106AACB1}" type="datetimeFigureOut">
               <a:rPr lang="en-US" dirty="0"/>
-              <a:t>4/26/2019</a:t>
+              <a:t>4/28/2019</a:t>
             </a:fld>
             <a:endParaRPr lang="en-US" dirty="0"/>
           </a:p>
@@ -3006,7 +3008,7 @@
           <a:p>
             <a:fld id="{4509A250-FF31-4206-8172-F9D3106AACB1}" type="datetimeFigureOut">
               <a:rPr lang="en-US" dirty="0"/>
-              <a:t>4/26/2019</a:t>
+              <a:t>4/28/2019</a:t>
             </a:fld>
             <a:endParaRPr lang="en-US" dirty="0"/>
           </a:p>
@@ -3181,7 +3183,7 @@
           <a:p>
             <a:fld id="{4509A250-FF31-4206-8172-F9D3106AACB1}" type="datetimeFigureOut">
               <a:rPr lang="en-US" dirty="0"/>
-              <a:t>4/26/2019</a:t>
+              <a:t>4/28/2019</a:t>
             </a:fld>
             <a:endParaRPr lang="en-US" dirty="0"/>
           </a:p>
@@ -3346,7 +3348,7 @@
           <a:p>
             <a:fld id="{4509A250-FF31-4206-8172-F9D3106AACB1}" type="datetimeFigureOut">
               <a:rPr lang="en-US" dirty="0"/>
-              <a:t>4/26/2019</a:t>
+              <a:t>4/28/2019</a:t>
             </a:fld>
             <a:endParaRPr lang="en-US" dirty="0"/>
           </a:p>
@@ -3588,7 +3590,7 @@
           <a:p>
             <a:fld id="{9796027F-7875-4030-9381-8BD8C4F21935}" type="datetimeFigureOut">
               <a:rPr lang="en-US" dirty="0"/>
-              <a:t>4/26/2019</a:t>
+              <a:t>4/28/2019</a:t>
             </a:fld>
             <a:endParaRPr lang="en-US" dirty="0"/>
           </a:p>
@@ -3875,7 +3877,7 @@
           <a:p>
             <a:fld id="{9796027F-7875-4030-9381-8BD8C4F21935}" type="datetimeFigureOut">
               <a:rPr lang="en-US" dirty="0"/>
-              <a:t>4/26/2019</a:t>
+              <a:t>4/28/2019</a:t>
             </a:fld>
             <a:endParaRPr lang="en-US" dirty="0"/>
           </a:p>
@@ -4314,7 +4316,7 @@
           <a:p>
             <a:fld id="{9796027F-7875-4030-9381-8BD8C4F21935}" type="datetimeFigureOut">
               <a:rPr lang="en-US" dirty="0"/>
-              <a:t>4/26/2019</a:t>
+              <a:t>4/28/2019</a:t>
             </a:fld>
             <a:endParaRPr lang="en-US" dirty="0"/>
           </a:p>
@@ -4427,7 +4429,7 @@
           <a:p>
             <a:fld id="{4509A250-FF31-4206-8172-F9D3106AACB1}" type="datetimeFigureOut">
               <a:rPr lang="en-US" dirty="0"/>
-              <a:t>4/26/2019</a:t>
+              <a:t>4/28/2019</a:t>
             </a:fld>
             <a:endParaRPr lang="en-US" dirty="0"/>
           </a:p>
@@ -4517,7 +4519,7 @@
           <a:p>
             <a:fld id="{4509A250-FF31-4206-8172-F9D3106AACB1}" type="datetimeFigureOut">
               <a:rPr lang="en-US" dirty="0"/>
-              <a:t>4/26/2019</a:t>
+              <a:t>4/28/2019</a:t>
             </a:fld>
             <a:endParaRPr lang="en-US" dirty="0"/>
           </a:p>
@@ -4791,7 +4793,7 @@
           <a:p>
             <a:fld id="{4509A250-FF31-4206-8172-F9D3106AACB1}" type="datetimeFigureOut">
               <a:rPr lang="en-US" dirty="0"/>
-              <a:t>4/26/2019</a:t>
+              <a:t>4/28/2019</a:t>
             </a:fld>
             <a:endParaRPr lang="en-US" dirty="0"/>
           </a:p>
@@ -5061,7 +5063,7 @@
           <a:p>
             <a:fld id="{4509A250-FF31-4206-8172-F9D3106AACB1}" type="datetimeFigureOut">
               <a:rPr lang="en-US" dirty="0"/>
-              <a:t>4/26/2019</a:t>
+              <a:t>4/28/2019</a:t>
             </a:fld>
             <a:endParaRPr lang="en-US" dirty="0"/>
           </a:p>
@@ -5485,7 +5487,7 @@
           <a:p>
             <a:fld id="{4AAD347D-5ACD-4C99-B74B-A9C85AD731AF}" type="datetimeFigureOut">
               <a:rPr lang="en-US" dirty="0"/>
-              <a:t>4/26/2019</a:t>
+              <a:t>4/28/2019</a:t>
             </a:fld>
             <a:endParaRPr lang="en-US" dirty="0"/>
           </a:p>
@@ -6079,6 +6081,90 @@
 </p:sld>
 </file>
 
+<file path=ppt/slides/slide10.xml><?xml version="1.0" encoding="utf-8"?>
+<p:sld xmlns:a="http://schemas.openxmlformats.org/drawingml/2006/main" xmlns:r="http://schemas.openxmlformats.org/officeDocument/2006/relationships" xmlns:p="http://schemas.openxmlformats.org/presentationml/2006/main">
+  <p:cSld>
+    <p:spTree>
+      <p:nvGrpSpPr>
+        <p:cNvPr id="1" name=""/>
+        <p:cNvGrpSpPr/>
+        <p:nvPr/>
+      </p:nvGrpSpPr>
+      <p:grpSpPr>
+        <a:xfrm>
+          <a:off x="0" y="0"/>
+          <a:ext cx="0" cy="0"/>
+          <a:chOff x="0" y="0"/>
+          <a:chExt cx="0" cy="0"/>
+        </a:xfrm>
+      </p:grpSpPr>
+      <p:sp>
+        <p:nvSpPr>
+          <p:cNvPr id="2" name="Title 1">
+            <a:extLst>
+              <a:ext uri="{FF2B5EF4-FFF2-40B4-BE49-F238E27FC236}">
+                <a16:creationId xmlns:a16="http://schemas.microsoft.com/office/drawing/2014/main" id="{D79712A8-C1EB-4F77-AEA3-3315D0AB4A46}"/>
+              </a:ext>
+            </a:extLst>
+          </p:cNvPr>
+          <p:cNvSpPr>
+            <a:spLocks noGrp="1"/>
+          </p:cNvSpPr>
+          <p:nvPr>
+            <p:ph type="title"/>
+          </p:nvPr>
+        </p:nvSpPr>
+        <p:spPr/>
+        <p:txBody>
+          <a:bodyPr/>
+          <a:lstStyle/>
+          <a:p>
+            <a:r>
+              <a:rPr lang="en-US" dirty="0" err="1"/>
+              <a:t>HomeAutomation</a:t>
+            </a:r>
+            <a:endParaRPr lang="en-US" dirty="0"/>
+          </a:p>
+        </p:txBody>
+      </p:sp>
+      <p:sp>
+        <p:nvSpPr>
+          <p:cNvPr id="3" name="Content Placeholder 2">
+            <a:extLst>
+              <a:ext uri="{FF2B5EF4-FFF2-40B4-BE49-F238E27FC236}">
+                <a16:creationId xmlns:a16="http://schemas.microsoft.com/office/drawing/2014/main" id="{F2807978-FC5D-4369-B216-EDAD108BE9C3}"/>
+              </a:ext>
+            </a:extLst>
+          </p:cNvPr>
+          <p:cNvSpPr>
+            <a:spLocks noGrp="1"/>
+          </p:cNvSpPr>
+          <p:nvPr>
+            <p:ph idx="1"/>
+          </p:nvPr>
+        </p:nvSpPr>
+        <p:spPr/>
+        <p:txBody>
+          <a:bodyPr/>
+          <a:lstStyle/>
+          <a:p>
+            <a:endParaRPr lang="en-US"/>
+          </a:p>
+        </p:txBody>
+      </p:sp>
+    </p:spTree>
+    <p:extLst>
+      <p:ext uri="{BB962C8B-B14F-4D97-AF65-F5344CB8AC3E}">
+        <p14:creationId xmlns:p14="http://schemas.microsoft.com/office/powerpoint/2010/main" val="490112064"/>
+      </p:ext>
+    </p:extLst>
+  </p:cSld>
+  <p:clrMapOvr>
+    <a:masterClrMapping/>
+  </p:clrMapOvr>
+</p:sld>
+</file>
+
 <file path=ppt/slides/slide2.xml><?xml version="1.0" encoding="utf-8"?>
 <p:sld xmlns:a="http://schemas.openxmlformats.org/drawingml/2006/main" xmlns:r="http://schemas.openxmlformats.org/officeDocument/2006/relationships" xmlns:p="http://schemas.openxmlformats.org/presentationml/2006/main">
   <p:cSld>
@@ -6259,7 +6345,7 @@
           <a:graphicData uri="http://schemas.openxmlformats.org/presentationml/2006/ole">
             <mc:AlternateContent xmlns:mc="http://schemas.openxmlformats.org/markup-compatibility/2006">
               <mc:Choice xmlns:v="urn:schemas-microsoft-com:vml" Requires="v">
-                <p:oleObj spid="_x0000_s1031" name="Visio" r:id="rId3" imgW="7086600" imgH="9282363" progId="Visio.Drawing.15">
+                <p:oleObj spid="_x0000_s1035" name="Visio" r:id="rId3" imgW="7086600" imgH="9282363" progId="Visio.Drawing.15">
                   <p:embed/>
                 </p:oleObj>
               </mc:Choice>
@@ -6445,13 +6531,8 @@
           <a:p>
             <a:r>
               <a:rPr lang="en-US" dirty="0"/>
-              <a:t>ESP8266 </a:t>
-            </a:r>
-            <a:r>
-              <a:rPr lang="en-US" dirty="0" err="1"/>
-              <a:t>MicroController</a:t>
-            </a:r>
-            <a:endParaRPr lang="en-US" dirty="0"/>
+              <a:t>ESP8266 Microcontroller</a:t>
+            </a:r>
           </a:p>
         </p:txBody>
       </p:sp>
@@ -6492,6 +6573,13 @@
             <a:pPr lvl="1"/>
             <a:r>
               <a:rPr lang="en-US" dirty="0"/>
+              <a:t>Bluetooth</a:t>
+            </a:r>
+          </a:p>
+          <a:p>
+            <a:pPr lvl="1"/>
+            <a:r>
+              <a:rPr lang="en-US" dirty="0"/>
               <a:t>Programmable through Arduino IDE</a:t>
             </a:r>
           </a:p>
@@ -6514,49 +6602,32 @@
       </p:sp>
       <p:pic>
         <p:nvPicPr>
-          <p:cNvPr id="2050" name="Picture 2" descr="Image result for esp8266 esp-12f pinout">
+          <p:cNvPr id="5" name="Picture 4">
             <a:extLst>
               <a:ext uri="{FF2B5EF4-FFF2-40B4-BE49-F238E27FC236}">
-                <a16:creationId xmlns:a16="http://schemas.microsoft.com/office/drawing/2014/main" id="{15A5902E-854E-476D-B8EF-A7713A3A3A87}"/>
+                <a16:creationId xmlns:a16="http://schemas.microsoft.com/office/drawing/2014/main" id="{CA874E3F-B5B4-415C-990E-3A5ED240A00C}"/>
               </a:ext>
             </a:extLst>
           </p:cNvPr>
           <p:cNvPicPr>
-            <a:picLocks noChangeAspect="1" noChangeArrowheads="1"/>
+            <a:picLocks noChangeAspect="1"/>
           </p:cNvPicPr>
           <p:nvPr/>
         </p:nvPicPr>
         <p:blipFill>
-          <a:blip r:embed="rId2">
-            <a:extLst>
-              <a:ext uri="{28A0092B-C50C-407E-A947-70E740481C1C}">
-                <a14:useLocalDpi xmlns:a14="http://schemas.microsoft.com/office/drawing/2010/main" val="0"/>
-              </a:ext>
-            </a:extLst>
-          </a:blip>
-          <a:srcRect/>
+          <a:blip r:embed="rId2"/>
           <a:stretch>
             <a:fillRect/>
           </a:stretch>
         </p:blipFill>
-        <p:spPr bwMode="auto">
+        <p:spPr>
           <a:xfrm>
-            <a:off x="6182011" y="1437249"/>
-            <a:ext cx="5203880" cy="3983501"/>
+            <a:off x="6011775" y="1309255"/>
+            <a:ext cx="6101210" cy="4484326"/>
           </a:xfrm>
           <a:prstGeom prst="rect">
             <a:avLst/>
           </a:prstGeom>
-          <a:noFill/>
-          <a:extLst>
-            <a:ext uri="{909E8E84-426E-40DD-AFC4-6F175D3DCCD1}">
-              <a14:hiddenFill xmlns:a14="http://schemas.microsoft.com/office/drawing/2010/main">
-                <a:solidFill>
-                  <a:srgbClr val="FFFFFF"/>
-                </a:solidFill>
-              </a14:hiddenFill>
-            </a:ext>
-          </a:extLst>
         </p:spPr>
       </p:pic>
     </p:spTree>
@@ -6648,14 +6719,30 @@
             <a:pPr lvl="1"/>
             <a:r>
               <a:rPr lang="en-US" dirty="0"/>
-              <a:t>#include "ESP8266WiFi.h"</a:t>
+              <a:t>#include "ESP8266WiFi.h“ -&gt; Enables the </a:t>
+            </a:r>
+            <a:r>
+              <a:rPr lang="en-US" dirty="0" err="1"/>
+              <a:t>WiFi</a:t>
+            </a:r>
+            <a:r>
+              <a:rPr lang="en-US" dirty="0"/>
+              <a:t> on the Chip</a:t>
             </a:r>
           </a:p>
           <a:p>
             <a:pPr lvl="1"/>
             <a:r>
               <a:rPr lang="en-US" dirty="0"/>
-              <a:t>#include "ESP8266WebServer.h"</a:t>
+              <a:t>#include "ESP8266WebServer.h“ -&gt;</a:t>
+            </a:r>
+            <a:r>
+              <a:rPr lang="en-US" dirty="0" err="1"/>
+              <a:t>WebServer</a:t>
+            </a:r>
+            <a:r>
+              <a:rPr lang="en-US" dirty="0"/>
+              <a:t> setting</a:t>
             </a:r>
           </a:p>
           <a:p>
@@ -6670,7 +6757,15 @@
             </a:r>
             <a:r>
               <a:rPr lang="en-US" dirty="0"/>
-              <a:t>"</a:t>
+              <a:t>“ -&gt;Control </a:t>
+            </a:r>
+            <a:r>
+              <a:rPr lang="en-US" dirty="0" err="1"/>
+              <a:t>WiFi</a:t>
+            </a:r>
+            <a:r>
+              <a:rPr lang="en-US" dirty="0"/>
+              <a:t> Settings on Boot</a:t>
             </a:r>
           </a:p>
           <a:p>
@@ -6685,7 +6780,7 @@
             </a:r>
             <a:r>
               <a:rPr lang="en-US" dirty="0"/>
-              <a:t>"</a:t>
+              <a:t>“ -&gt; To setup DNS name</a:t>
             </a:r>
           </a:p>
           <a:p>
@@ -6700,7 +6795,7 @@
             </a:r>
             <a:r>
               <a:rPr lang="en-US" dirty="0"/>
-              <a:t>"</a:t>
+              <a:t>“ -&gt; Allows for Alexa Integration</a:t>
             </a:r>
           </a:p>
         </p:txBody>
@@ -6826,12 +6921,8 @@
           <a:p>
             <a:pPr lvl="1"/>
             <a:r>
-              <a:rPr lang="en-US" dirty="0" err="1"/>
-              <a:t>DNSServer</a:t>
-            </a:r>
-            <a:r>
-              <a:rPr lang="en-US" dirty="0"/>
-              <a:t> </a:t>
+              <a:rPr lang="en-US" dirty="0"/>
+              <a:t>DNSServer </a:t>
             </a:r>
             <a:r>
               <a:rPr lang="en-US" dirty="0" err="1"/>
@@ -6845,12 +6936,8 @@
           <a:p>
             <a:pPr lvl="1"/>
             <a:r>
-              <a:rPr lang="en-US" dirty="0" err="1"/>
-              <a:t>WiFiClient</a:t>
-            </a:r>
-            <a:r>
-              <a:rPr lang="en-US" dirty="0"/>
-              <a:t> </a:t>
+              <a:rPr lang="en-US" dirty="0"/>
+              <a:t>WiFiClient </a:t>
             </a:r>
             <a:r>
               <a:rPr lang="en-US" dirty="0" err="1"/>
@@ -6858,30 +6945,14 @@
             </a:r>
             <a:r>
               <a:rPr lang="en-US" dirty="0"/>
-              <a:t>; -&gt;Creates the </a:t>
-            </a:r>
-            <a:r>
-              <a:rPr lang="en-US" dirty="0" err="1"/>
-              <a:t>WiFi</a:t>
-            </a:r>
-            <a:r>
-              <a:rPr lang="en-US" dirty="0"/>
-              <a:t> Client object</a:t>
+              <a:t>; -&gt;Creates the WIFI Client object</a:t>
             </a:r>
           </a:p>
           <a:p>
             <a:pPr lvl="1"/>
             <a:r>
               <a:rPr lang="en-US" dirty="0"/>
-              <a:t>#define </a:t>
-            </a:r>
-            <a:r>
-              <a:rPr lang="en-US" dirty="0" err="1"/>
-              <a:t>pin_relay</a:t>
-            </a:r>
-            <a:r>
-              <a:rPr lang="en-US" dirty="0"/>
-              <a:t>  "Kitchen Light“ -&gt;Sets the listening command</a:t>
+              <a:t>#define switch  “light“ -&gt;Sets the listening command</a:t>
             </a:r>
           </a:p>
           <a:p>
@@ -7225,7 +7296,12 @@
             <p:ph idx="1"/>
           </p:nvPr>
         </p:nvSpPr>
-        <p:spPr/>
+        <p:spPr>
+          <a:xfrm>
+            <a:off x="1103312" y="2052918"/>
+            <a:ext cx="9583738" cy="4195481"/>
+          </a:xfrm>
+        </p:spPr>
         <p:txBody>
           <a:bodyPr/>
           <a:lstStyle/>
@@ -7262,7 +7338,7 @@
             </a:r>
             <a:r>
               <a:rPr lang="en-US" dirty="0"/>
-              <a:t>(80);</a:t>
+              <a:t>(80); -&gt;Using HTTP protocol</a:t>
             </a:r>
           </a:p>
           <a:p>
@@ -7285,7 +7361,7 @@
             </a:r>
             <a:r>
               <a:rPr lang="en-US" dirty="0"/>
-              <a:t>);</a:t>
+              <a:t>); -&gt; Sets homepage for Internal Server</a:t>
             </a:r>
           </a:p>
           <a:p>
@@ -7308,7 +7384,7 @@
             </a:r>
             <a:r>
               <a:rPr lang="en-US" dirty="0"/>
-              <a:t>);</a:t>
+              <a:t>); -&gt;Calls toggle Function to switch on/off</a:t>
             </a:r>
           </a:p>
           <a:p>
@@ -7323,7 +7399,7 @@
             </a:r>
             <a:r>
               <a:rPr lang="en-US" dirty="0"/>
-              <a:t>();</a:t>
+              <a:t>(); -&gt;Starts the Internal Server</a:t>
             </a:r>
           </a:p>
           <a:p>
@@ -7338,7 +7414,7 @@
             </a:r>
             <a:r>
               <a:rPr lang="en-US" dirty="0"/>
-              <a:t>(true);</a:t>
+              <a:t>(true); </a:t>
             </a:r>
           </a:p>
           <a:p>
@@ -7353,15 +7429,7 @@
             </a:r>
             <a:r>
               <a:rPr lang="en-US" dirty="0"/>
-              <a:t>(</a:t>
-            </a:r>
-            <a:r>
-              <a:rPr lang="en-US" dirty="0" err="1"/>
-              <a:t>pin_relay</a:t>
-            </a:r>
-            <a:r>
-              <a:rPr lang="en-US" dirty="0"/>
-              <a:t>);</a:t>
+              <a:t>(switch);</a:t>
             </a:r>
           </a:p>
         </p:txBody>
@@ -7370,6 +7438,124 @@
     <p:extLst>
       <p:ext uri="{BB962C8B-B14F-4D97-AF65-F5344CB8AC3E}">
         <p14:creationId xmlns:p14="http://schemas.microsoft.com/office/powerpoint/2010/main" val="1057841792"/>
+      </p:ext>
+    </p:extLst>
+  </p:cSld>
+  <p:clrMapOvr>
+    <a:masterClrMapping/>
+  </p:clrMapOvr>
+</p:sld>
+</file>
+
+<file path=ppt/slides/slide9.xml><?xml version="1.0" encoding="utf-8"?>
+<p:sld xmlns:a="http://schemas.openxmlformats.org/drawingml/2006/main" xmlns:r="http://schemas.openxmlformats.org/officeDocument/2006/relationships" xmlns:p="http://schemas.openxmlformats.org/presentationml/2006/main">
+  <p:cSld>
+    <p:spTree>
+      <p:nvGrpSpPr>
+        <p:cNvPr id="1" name=""/>
+        <p:cNvGrpSpPr/>
+        <p:nvPr/>
+      </p:nvGrpSpPr>
+      <p:grpSpPr>
+        <a:xfrm>
+          <a:off x="0" y="0"/>
+          <a:ext cx="0" cy="0"/>
+          <a:chOff x="0" y="0"/>
+          <a:chExt cx="0" cy="0"/>
+        </a:xfrm>
+      </p:grpSpPr>
+      <p:sp>
+        <p:nvSpPr>
+          <p:cNvPr id="2" name="Title 1">
+            <a:extLst>
+              <a:ext uri="{FF2B5EF4-FFF2-40B4-BE49-F238E27FC236}">
+                <a16:creationId xmlns:a16="http://schemas.microsoft.com/office/drawing/2014/main" id="{D03CD1D7-69AD-496A-8C41-E649BFA2A8D5}"/>
+              </a:ext>
+            </a:extLst>
+          </p:cNvPr>
+          <p:cNvSpPr>
+            <a:spLocks noGrp="1"/>
+          </p:cNvSpPr>
+          <p:nvPr>
+            <p:ph type="title"/>
+          </p:nvPr>
+        </p:nvSpPr>
+        <p:spPr/>
+        <p:txBody>
+          <a:bodyPr/>
+          <a:lstStyle/>
+          <a:p>
+            <a:r>
+              <a:rPr lang="en-US" dirty="0" err="1"/>
+              <a:t>HomeAutomation</a:t>
+            </a:r>
+            <a:endParaRPr lang="en-US" dirty="0"/>
+          </a:p>
+        </p:txBody>
+      </p:sp>
+      <p:pic>
+        <p:nvPicPr>
+          <p:cNvPr id="13" name="Content Placeholder 12">
+            <a:extLst>
+              <a:ext uri="{FF2B5EF4-FFF2-40B4-BE49-F238E27FC236}">
+                <a16:creationId xmlns:a16="http://schemas.microsoft.com/office/drawing/2014/main" id="{85259E30-7D6F-45D2-9510-FBFC62649761}"/>
+              </a:ext>
+            </a:extLst>
+          </p:cNvPr>
+          <p:cNvPicPr>
+            <a:picLocks noGrp="1" noChangeAspect="1"/>
+          </p:cNvPicPr>
+          <p:nvPr>
+            <p:ph idx="1"/>
+          </p:nvPr>
+        </p:nvPicPr>
+        <p:blipFill>
+          <a:blip r:embed="rId2"/>
+          <a:stretch>
+            <a:fillRect/>
+          </a:stretch>
+        </p:blipFill>
+        <p:spPr>
+          <a:xfrm>
+            <a:off x="268215" y="1707457"/>
+            <a:ext cx="5224463" cy="3700463"/>
+          </a:xfrm>
+        </p:spPr>
+      </p:pic>
+      <p:pic>
+        <p:nvPicPr>
+          <p:cNvPr id="15" name="Picture 14">
+            <a:extLst>
+              <a:ext uri="{FF2B5EF4-FFF2-40B4-BE49-F238E27FC236}">
+                <a16:creationId xmlns:a16="http://schemas.microsoft.com/office/drawing/2014/main" id="{76DF9621-5D08-4F3D-882C-EAEC14C9DD36}"/>
+              </a:ext>
+            </a:extLst>
+          </p:cNvPr>
+          <p:cNvPicPr>
+            <a:picLocks noChangeAspect="1"/>
+          </p:cNvPicPr>
+          <p:nvPr/>
+        </p:nvPicPr>
+        <p:blipFill>
+          <a:blip r:embed="rId3"/>
+          <a:stretch>
+            <a:fillRect/>
+          </a:stretch>
+        </p:blipFill>
+        <p:spPr>
+          <a:xfrm>
+            <a:off x="5571259" y="1814079"/>
+            <a:ext cx="6515100" cy="3448050"/>
+          </a:xfrm>
+          <a:prstGeom prst="rect">
+            <a:avLst/>
+          </a:prstGeom>
+        </p:spPr>
+      </p:pic>
+    </p:spTree>
+    <p:extLst>
+      <p:ext uri="{BB962C8B-B14F-4D97-AF65-F5344CB8AC3E}">
+        <p14:creationId xmlns:p14="http://schemas.microsoft.com/office/powerpoint/2010/main" val="1260642478"/>
       </p:ext>
     </p:extLst>
   </p:cSld>
